--- a/PHY3147/interferometer_image.pptx
+++ b/PHY3147/interferometer_image.pptx
@@ -104,6 +104,11 @@
       </a:defRPr>
     </a:lvl9pPr>
   </p:defaultTextStyle>
+  <p:extLst>
+    <p:ext uri="{EFAFB233-063F-42B5-8137-9DF3F51BA10A}">
+      <p15:sldGuideLst xmlns:p15="http://schemas.microsoft.com/office/powerpoint/2012/main"/>
+    </p:ext>
+  </p:extLst>
 </p:presentation>
 </file>
 
@@ -238,7 +243,7 @@
           <a:p>
             <a:fld id="{38EC2526-AFA1-4F43-848F-9BD13019F0FE}" type="datetimeFigureOut">
               <a:rPr lang="en-GB" smtClean="0"/>
-              <a:t>19/10/2019</a:t>
+              <a:t>01/12/2019</a:t>
             </a:fld>
             <a:endParaRPr lang="en-GB"/>
           </a:p>
@@ -408,7 +413,7 @@
           <a:p>
             <a:fld id="{38EC2526-AFA1-4F43-848F-9BD13019F0FE}" type="datetimeFigureOut">
               <a:rPr lang="en-GB" smtClean="0"/>
-              <a:t>19/10/2019</a:t>
+              <a:t>01/12/2019</a:t>
             </a:fld>
             <a:endParaRPr lang="en-GB"/>
           </a:p>
@@ -588,7 +593,7 @@
           <a:p>
             <a:fld id="{38EC2526-AFA1-4F43-848F-9BD13019F0FE}" type="datetimeFigureOut">
               <a:rPr lang="en-GB" smtClean="0"/>
-              <a:t>19/10/2019</a:t>
+              <a:t>01/12/2019</a:t>
             </a:fld>
             <a:endParaRPr lang="en-GB"/>
           </a:p>
@@ -758,7 +763,7 @@
           <a:p>
             <a:fld id="{38EC2526-AFA1-4F43-848F-9BD13019F0FE}" type="datetimeFigureOut">
               <a:rPr lang="en-GB" smtClean="0"/>
-              <a:t>19/10/2019</a:t>
+              <a:t>01/12/2019</a:t>
             </a:fld>
             <a:endParaRPr lang="en-GB"/>
           </a:p>
@@ -1004,7 +1009,7 @@
           <a:p>
             <a:fld id="{38EC2526-AFA1-4F43-848F-9BD13019F0FE}" type="datetimeFigureOut">
               <a:rPr lang="en-GB" smtClean="0"/>
-              <a:t>19/10/2019</a:t>
+              <a:t>01/12/2019</a:t>
             </a:fld>
             <a:endParaRPr lang="en-GB"/>
           </a:p>
@@ -1236,7 +1241,7 @@
           <a:p>
             <a:fld id="{38EC2526-AFA1-4F43-848F-9BD13019F0FE}" type="datetimeFigureOut">
               <a:rPr lang="en-GB" smtClean="0"/>
-              <a:t>19/10/2019</a:t>
+              <a:t>01/12/2019</a:t>
             </a:fld>
             <a:endParaRPr lang="en-GB"/>
           </a:p>
@@ -1603,7 +1608,7 @@
           <a:p>
             <a:fld id="{38EC2526-AFA1-4F43-848F-9BD13019F0FE}" type="datetimeFigureOut">
               <a:rPr lang="en-GB" smtClean="0"/>
-              <a:t>19/10/2019</a:t>
+              <a:t>01/12/2019</a:t>
             </a:fld>
             <a:endParaRPr lang="en-GB"/>
           </a:p>
@@ -1721,7 +1726,7 @@
           <a:p>
             <a:fld id="{38EC2526-AFA1-4F43-848F-9BD13019F0FE}" type="datetimeFigureOut">
               <a:rPr lang="en-GB" smtClean="0"/>
-              <a:t>19/10/2019</a:t>
+              <a:t>01/12/2019</a:t>
             </a:fld>
             <a:endParaRPr lang="en-GB"/>
           </a:p>
@@ -1816,7 +1821,7 @@
           <a:p>
             <a:fld id="{38EC2526-AFA1-4F43-848F-9BD13019F0FE}" type="datetimeFigureOut">
               <a:rPr lang="en-GB" smtClean="0"/>
-              <a:t>19/10/2019</a:t>
+              <a:t>01/12/2019</a:t>
             </a:fld>
             <a:endParaRPr lang="en-GB"/>
           </a:p>
@@ -2093,7 +2098,7 @@
           <a:p>
             <a:fld id="{38EC2526-AFA1-4F43-848F-9BD13019F0FE}" type="datetimeFigureOut">
               <a:rPr lang="en-GB" smtClean="0"/>
-              <a:t>19/10/2019</a:t>
+              <a:t>01/12/2019</a:t>
             </a:fld>
             <a:endParaRPr lang="en-GB"/>
           </a:p>
@@ -2346,7 +2351,7 @@
           <a:p>
             <a:fld id="{38EC2526-AFA1-4F43-848F-9BD13019F0FE}" type="datetimeFigureOut">
               <a:rPr lang="en-GB" smtClean="0"/>
-              <a:t>19/10/2019</a:t>
+              <a:t>01/12/2019</a:t>
             </a:fld>
             <a:endParaRPr lang="en-GB"/>
           </a:p>
@@ -2559,7 +2564,7 @@
           <a:p>
             <a:fld id="{38EC2526-AFA1-4F43-848F-9BD13019F0FE}" type="datetimeFigureOut">
               <a:rPr lang="en-GB" smtClean="0"/>
-              <a:t>19/10/2019</a:t>
+              <a:t>01/12/2019</a:t>
             </a:fld>
             <a:endParaRPr lang="en-GB"/>
           </a:p>
@@ -2998,7 +3003,7 @@
         </p:nvSpPr>
         <p:spPr>
           <a:xfrm>
-            <a:off x="5589139" y="1056560"/>
+            <a:off x="1980966" y="1056560"/>
             <a:ext cx="6073875" cy="5196418"/>
           </a:xfrm>
           <a:prstGeom prst="rect">
@@ -3046,7 +3051,7 @@
         </p:nvSpPr>
         <p:spPr>
           <a:xfrm>
-            <a:off x="8547654" y="2140661"/>
+            <a:off x="4939481" y="2140661"/>
             <a:ext cx="551935" cy="4138841"/>
           </a:xfrm>
           <a:prstGeom prst="rect">
@@ -3086,7 +3091,7 @@
         </p:nvSpPr>
         <p:spPr>
           <a:xfrm rot="11445862">
-            <a:off x="9169341" y="2128352"/>
+            <a:off x="5552918" y="2128352"/>
             <a:ext cx="527222" cy="444843"/>
           </a:xfrm>
           <a:prstGeom prst="arc">
@@ -3129,7 +3134,7 @@
         </p:nvSpPr>
         <p:spPr>
           <a:xfrm rot="11445862">
-            <a:off x="9164777" y="3458870"/>
+            <a:off x="5556604" y="3458870"/>
             <a:ext cx="527222" cy="444843"/>
           </a:xfrm>
           <a:prstGeom prst="arc">
@@ -3172,7 +3177,7 @@
         </p:nvCxnSpPr>
         <p:spPr>
           <a:xfrm flipV="1">
-            <a:off x="9095562" y="3824222"/>
+            <a:off x="5479139" y="3824222"/>
             <a:ext cx="131972" cy="124813"/>
           </a:xfrm>
           <a:prstGeom prst="line">
@@ -3207,7 +3212,7 @@
         </p:nvCxnSpPr>
         <p:spPr>
           <a:xfrm flipV="1">
-            <a:off x="9090870" y="2464749"/>
+            <a:off x="5482697" y="2464749"/>
             <a:ext cx="131972" cy="124813"/>
           </a:xfrm>
           <a:prstGeom prst="line">
@@ -3242,7 +3247,7 @@
         </p:nvSpPr>
         <p:spPr>
           <a:xfrm>
-            <a:off x="8967617" y="2464749"/>
+            <a:off x="5359444" y="2464749"/>
             <a:ext cx="103851" cy="164537"/>
           </a:xfrm>
           <a:prstGeom prst="rect">
@@ -3285,7 +3290,7 @@
         </p:nvSpPr>
         <p:spPr>
           <a:xfrm>
-            <a:off x="8953142" y="2922494"/>
+            <a:off x="5344969" y="2922494"/>
             <a:ext cx="103851" cy="164537"/>
           </a:xfrm>
           <a:prstGeom prst="rect">
@@ -3328,7 +3333,7 @@
         </p:nvSpPr>
         <p:spPr>
           <a:xfrm>
-            <a:off x="8953142" y="3381949"/>
+            <a:off x="5344969" y="3381949"/>
             <a:ext cx="103851" cy="164537"/>
           </a:xfrm>
           <a:prstGeom prst="rect">
@@ -3371,7 +3376,7 @@
         </p:nvSpPr>
         <p:spPr>
           <a:xfrm>
-            <a:off x="8951834" y="3858122"/>
+            <a:off x="5343661" y="3858122"/>
             <a:ext cx="103851" cy="164537"/>
           </a:xfrm>
           <a:prstGeom prst="rect">
@@ -3414,7 +3419,7 @@
         </p:nvSpPr>
         <p:spPr>
           <a:xfrm>
-            <a:off x="8948414" y="4373329"/>
+            <a:off x="5340241" y="4373329"/>
             <a:ext cx="103851" cy="164537"/>
           </a:xfrm>
           <a:prstGeom prst="rect">
@@ -3457,7 +3462,7 @@
         </p:nvSpPr>
         <p:spPr>
           <a:xfrm>
-            <a:off x="8942193" y="4861635"/>
+            <a:off x="5334020" y="4861635"/>
             <a:ext cx="103851" cy="164537"/>
           </a:xfrm>
           <a:prstGeom prst="rect">
@@ -3500,7 +3505,7 @@
         </p:nvSpPr>
         <p:spPr>
           <a:xfrm>
-            <a:off x="8953637" y="5408957"/>
+            <a:off x="5345464" y="5408957"/>
             <a:ext cx="103851" cy="164537"/>
           </a:xfrm>
           <a:prstGeom prst="rect">
@@ -3543,7 +3548,7 @@
         </p:nvSpPr>
         <p:spPr>
           <a:xfrm>
-            <a:off x="8942192" y="5965611"/>
+            <a:off x="5334019" y="5957373"/>
             <a:ext cx="103852" cy="316604"/>
           </a:xfrm>
           <a:prstGeom prst="rect">
@@ -3586,7 +3591,7 @@
         </p:nvSpPr>
         <p:spPr>
           <a:xfrm>
-            <a:off x="8618033" y="5406032"/>
+            <a:off x="5009860" y="5406032"/>
             <a:ext cx="103851" cy="164537"/>
           </a:xfrm>
           <a:prstGeom prst="rect">
@@ -3629,7 +3634,7 @@
         </p:nvSpPr>
         <p:spPr>
           <a:xfrm>
-            <a:off x="8618033" y="5965611"/>
+            <a:off x="5009860" y="5965611"/>
             <a:ext cx="103851" cy="164537"/>
           </a:xfrm>
           <a:prstGeom prst="rect">
@@ -3672,7 +3677,7 @@
         </p:nvSpPr>
         <p:spPr>
           <a:xfrm>
-            <a:off x="8618033" y="4861635"/>
+            <a:off x="5009860" y="4861635"/>
             <a:ext cx="103851" cy="164537"/>
           </a:xfrm>
           <a:prstGeom prst="rect">
@@ -3715,7 +3720,7 @@
         </p:nvSpPr>
         <p:spPr>
           <a:xfrm>
-            <a:off x="8618033" y="4364658"/>
+            <a:off x="5009860" y="4364658"/>
             <a:ext cx="103851" cy="164537"/>
           </a:xfrm>
           <a:prstGeom prst="rect">
@@ -3758,7 +3763,7 @@
         </p:nvSpPr>
         <p:spPr>
           <a:xfrm>
-            <a:off x="8618033" y="3853735"/>
+            <a:off x="5009860" y="3853735"/>
             <a:ext cx="103851" cy="164537"/>
           </a:xfrm>
           <a:prstGeom prst="rect">
@@ -3801,7 +3806,7 @@
         </p:nvSpPr>
         <p:spPr>
           <a:xfrm>
-            <a:off x="8626077" y="3381948"/>
+            <a:off x="5017904" y="3381948"/>
             <a:ext cx="103851" cy="164537"/>
           </a:xfrm>
           <a:prstGeom prst="rect">
@@ -3844,7 +3849,7 @@
         </p:nvSpPr>
         <p:spPr>
           <a:xfrm>
-            <a:off x="8618033" y="2919819"/>
+            <a:off x="5009860" y="2919819"/>
             <a:ext cx="103851" cy="164537"/>
           </a:xfrm>
           <a:prstGeom prst="rect">
@@ -3887,7 +3892,7 @@
         </p:nvSpPr>
         <p:spPr>
           <a:xfrm>
-            <a:off x="8626077" y="2464749"/>
+            <a:off x="5017904" y="2464749"/>
             <a:ext cx="103851" cy="164537"/>
           </a:xfrm>
           <a:prstGeom prst="rect">
@@ -3930,7 +3935,7 @@
         </p:nvCxnSpPr>
         <p:spPr>
           <a:xfrm flipH="1">
-            <a:off x="9231559" y="1355600"/>
+            <a:off x="5623386" y="1355600"/>
             <a:ext cx="1403487" cy="1109149"/>
           </a:xfrm>
           <a:prstGeom prst="line">
@@ -3965,7 +3970,7 @@
         </p:nvCxnSpPr>
         <p:spPr>
           <a:xfrm flipH="1">
-            <a:off x="9222016" y="2025538"/>
+            <a:off x="5613843" y="2025538"/>
             <a:ext cx="2137654" cy="1800347"/>
           </a:xfrm>
           <a:prstGeom prst="line">
@@ -4001,7 +4006,7 @@
         </p:nvSpPr>
         <p:spPr>
           <a:xfrm>
-            <a:off x="8702753" y="2291561"/>
+            <a:off x="5094580" y="2291561"/>
             <a:ext cx="234820" cy="369332"/>
           </a:xfrm>
           <a:prstGeom prst="rect">
@@ -4037,7 +4042,7 @@
         </p:nvSpPr>
         <p:spPr>
           <a:xfrm>
-            <a:off x="8711565" y="3635567"/>
+            <a:off x="5103392" y="3635567"/>
             <a:ext cx="234820" cy="369332"/>
           </a:xfrm>
           <a:prstGeom prst="rect">
@@ -4058,10 +4063,6 @@
               </a:rPr>
               <a:t>2</a:t>
             </a:r>
-            <a:endParaRPr lang="en-GB" dirty="0">
-              <a:latin typeface="Times New Roman" panose="02020603050405020304" pitchFamily="18" charset="0"/>
-              <a:cs typeface="Times New Roman" panose="02020603050405020304" pitchFamily="18" charset="0"/>
-            </a:endParaRPr>
           </a:p>
         </p:txBody>
       </p:sp>
@@ -4073,7 +4074,7 @@
         </p:nvCxnSpPr>
         <p:spPr>
           <a:xfrm flipH="1" flipV="1">
-            <a:off x="7948104" y="3924377"/>
+            <a:off x="4339931" y="3924377"/>
             <a:ext cx="1151484" cy="23670"/>
           </a:xfrm>
           <a:prstGeom prst="line">
@@ -4108,7 +4109,7 @@
         </p:nvSpPr>
         <p:spPr>
           <a:xfrm>
-            <a:off x="7700339" y="2998515"/>
+            <a:off x="4092166" y="2998515"/>
             <a:ext cx="475861" cy="475861"/>
           </a:xfrm>
           <a:prstGeom prst="ellipse">
@@ -4156,7 +4157,7 @@
         </p:nvCxnSpPr>
         <p:spPr>
           <a:xfrm flipH="1">
-            <a:off x="9239820" y="2496649"/>
+            <a:off x="5631647" y="2496649"/>
             <a:ext cx="5248" cy="1308911"/>
           </a:xfrm>
           <a:prstGeom prst="line">
@@ -4191,7 +4192,7 @@
         </p:nvCxnSpPr>
         <p:spPr>
           <a:xfrm flipH="1" flipV="1">
-            <a:off x="9116423" y="3943282"/>
+            <a:off x="5508250" y="3943282"/>
             <a:ext cx="1480255" cy="18733"/>
           </a:xfrm>
           <a:prstGeom prst="line">
@@ -4227,7 +4228,7 @@
         </p:nvCxnSpPr>
         <p:spPr>
           <a:xfrm>
-            <a:off x="9221103" y="2483411"/>
+            <a:off x="5604680" y="2483411"/>
             <a:ext cx="712189" cy="761732"/>
           </a:xfrm>
           <a:prstGeom prst="line">
@@ -4262,7 +4263,7 @@
         </p:nvCxnSpPr>
         <p:spPr>
           <a:xfrm flipV="1">
-            <a:off x="9724458" y="3132043"/>
+            <a:off x="6116285" y="3132043"/>
             <a:ext cx="101855" cy="84873"/>
           </a:xfrm>
           <a:prstGeom prst="line">
@@ -4297,7 +4298,7 @@
         </p:nvCxnSpPr>
         <p:spPr>
           <a:xfrm>
-            <a:off x="9721953" y="3210680"/>
+            <a:off x="6113780" y="3210680"/>
             <a:ext cx="106835" cy="125681"/>
           </a:xfrm>
           <a:prstGeom prst="line">
@@ -4334,7 +4335,7 @@
             </p:nvSpPr>
             <p:spPr>
               <a:xfrm>
-                <a:off x="9172347" y="3594120"/>
+                <a:off x="5564174" y="3594120"/>
                 <a:ext cx="654737" cy="724968"/>
               </a:xfrm>
               <a:prstGeom prst="arc">
@@ -4375,7 +4376,7 @@
                       <m:sSub>
                         <m:sSubPr>
                           <m:ctrlPr>
-                            <a:rPr lang="en-GB" sz="1600" smtClean="0">
+                            <a:rPr lang="en-GB" sz="1600" i="1" smtClean="0">
                               <a:latin typeface="Cambria Math" panose="02040503050406030204" pitchFamily="18" charset="0"/>
                             </a:rPr>
                           </m:ctrlPr>
@@ -4420,7 +4421,7 @@
             </p:nvSpPr>
             <p:spPr>
               <a:xfrm>
-                <a:off x="9172347" y="3594120"/>
+                <a:off x="5564174" y="3594120"/>
                 <a:ext cx="654737" cy="724968"/>
               </a:xfrm>
               <a:prstGeom prst="arc">
@@ -4429,7 +4430,7 @@
               <a:blipFill rotWithShape="0">
                 <a:blip r:embed="rId2"/>
                 <a:stretch>
-                  <a:fillRect l="-23636" b="-4918"/>
+                  <a:fillRect l="-21818" b="-4918"/>
                 </a:stretch>
               </a:blipFill>
               <a:ln w="19050">
@@ -4462,7 +4463,7 @@
         </p:nvCxnSpPr>
         <p:spPr>
           <a:xfrm>
-            <a:off x="7948017" y="2572604"/>
+            <a:off x="4339844" y="2572604"/>
             <a:ext cx="0" cy="419087"/>
           </a:xfrm>
           <a:prstGeom prst="line">
@@ -4497,7 +4498,7 @@
         </p:nvCxnSpPr>
         <p:spPr>
           <a:xfrm>
-            <a:off x="7948007" y="3467552"/>
+            <a:off x="4339834" y="3467552"/>
             <a:ext cx="0" cy="465534"/>
           </a:xfrm>
           <a:prstGeom prst="line">
@@ -4532,7 +4533,7 @@
         </p:nvSpPr>
         <p:spPr>
           <a:xfrm>
-            <a:off x="7719501" y="3044418"/>
+            <a:off x="4111328" y="3044418"/>
             <a:ext cx="437573" cy="369332"/>
           </a:xfrm>
           <a:prstGeom prst="rect">
@@ -4569,7 +4570,7 @@
         </p:nvCxnSpPr>
         <p:spPr>
           <a:xfrm flipH="1">
-            <a:off x="7422185" y="3227154"/>
+            <a:off x="3814012" y="3227154"/>
             <a:ext cx="282076" cy="0"/>
           </a:xfrm>
           <a:prstGeom prst="straightConnector1">
@@ -4607,7 +4608,7 @@
             </p:nvSpPr>
             <p:spPr>
               <a:xfrm>
-                <a:off x="6805905" y="2140661"/>
+                <a:off x="3197732" y="2140661"/>
                 <a:ext cx="1694000" cy="378245"/>
               </a:xfrm>
               <a:prstGeom prst="rect">
@@ -4636,7 +4637,7 @@
                       <m:sSub>
                         <m:sSubPr>
                           <m:ctrlPr>
-                            <a:rPr lang="en-GB" smtClean="0">
+                            <a:rPr lang="en-GB" i="1" smtClean="0">
                               <a:latin typeface="Cambria Math" panose="02040503050406030204" pitchFamily="18" charset="0"/>
                             </a:rPr>
                           </m:ctrlPr>
@@ -4679,7 +4680,7 @@
                       <m:sSup>
                         <m:sSupPr>
                           <m:ctrlPr>
-                            <a:rPr lang="en-GB" b="0" smtClean="0">
+                            <a:rPr lang="en-GB" b="0" i="1" smtClean="0">
                               <a:latin typeface="Cambria Math" panose="02040503050406030204" pitchFamily="18" charset="0"/>
                             </a:rPr>
                           </m:ctrlPr>
@@ -4733,7 +4734,7 @@
             </p:nvSpPr>
             <p:spPr>
               <a:xfrm>
-                <a:off x="6805905" y="2140661"/>
+                <a:off x="3197732" y="2140661"/>
                 <a:ext cx="1694000" cy="378245"/>
               </a:xfrm>
               <a:prstGeom prst="rect">
@@ -4776,7 +4777,7 @@
             </p:nvSpPr>
             <p:spPr>
               <a:xfrm>
-                <a:off x="6805905" y="4000267"/>
+                <a:off x="3197732" y="4000267"/>
                 <a:ext cx="1686409" cy="380810"/>
               </a:xfrm>
               <a:prstGeom prst="rect">
@@ -4805,7 +4806,7 @@
                       <m:sSub>
                         <m:sSubPr>
                           <m:ctrlPr>
-                            <a:rPr lang="en-GB" smtClean="0">
+                            <a:rPr lang="en-GB" i="1" smtClean="0">
                               <a:latin typeface="Cambria Math" panose="02040503050406030204" pitchFamily="18" charset="0"/>
                             </a:rPr>
                           </m:ctrlPr>
@@ -4848,7 +4849,7 @@
                       <m:sSup>
                         <m:sSupPr>
                           <m:ctrlPr>
-                            <a:rPr lang="en-GB" b="0" smtClean="0">
+                            <a:rPr lang="en-GB" b="0" i="1" smtClean="0">
                               <a:latin typeface="Cambria Math" panose="02040503050406030204" pitchFamily="18" charset="0"/>
                             </a:rPr>
                           </m:ctrlPr>
@@ -4953,7 +4954,7 @@
             </p:nvSpPr>
             <p:spPr>
               <a:xfrm>
-                <a:off x="6805905" y="4000267"/>
+                <a:off x="3197732" y="4000267"/>
                 <a:ext cx="1686409" cy="380810"/>
               </a:xfrm>
               <a:prstGeom prst="rect">
@@ -4994,7 +4995,7 @@
         </p:nvSpPr>
         <p:spPr>
           <a:xfrm>
-            <a:off x="9022147" y="2895756"/>
+            <a:off x="5413974" y="2895756"/>
             <a:ext cx="289179" cy="374595"/>
           </a:xfrm>
           <a:prstGeom prst="rect">
@@ -5032,7 +5033,7 @@
             </p:nvSpPr>
             <p:spPr>
               <a:xfrm>
-                <a:off x="5652473" y="3084876"/>
+                <a:off x="2044300" y="3084876"/>
                 <a:ext cx="1702633" cy="378437"/>
               </a:xfrm>
               <a:prstGeom prst="rect">
@@ -5061,7 +5062,7 @@
                       <m:sSub>
                         <m:sSubPr>
                           <m:ctrlPr>
-                            <a:rPr lang="en-GB" b="0" smtClean="0">
+                            <a:rPr lang="en-GB" b="0" i="1" smtClean="0">
                               <a:latin typeface="Cambria Math" panose="02040503050406030204" pitchFamily="18" charset="0"/>
                             </a:rPr>
                           </m:ctrlPr>
@@ -5089,7 +5090,7 @@
                       <m:sSubSup>
                         <m:sSubSupPr>
                           <m:ctrlPr>
-                            <a:rPr lang="en-GB" b="0" smtClean="0">
+                            <a:rPr lang="en-GB" b="0" i="1" smtClean="0">
                               <a:latin typeface="Cambria Math" panose="02040503050406030204" pitchFamily="18" charset="0"/>
                             </a:rPr>
                           </m:ctrlPr>
@@ -5131,7 +5132,7 @@
                       <m:sSup>
                         <m:sSupPr>
                           <m:ctrlPr>
-                            <a:rPr lang="en-GB" b="0" smtClean="0">
+                            <a:rPr lang="en-GB" b="0" i="1" smtClean="0">
                               <a:latin typeface="Cambria Math" panose="02040503050406030204" pitchFamily="18" charset="0"/>
                             </a:rPr>
                           </m:ctrlPr>
@@ -5140,7 +5141,7 @@
                           <m:sSup>
                             <m:sSupPr>
                               <m:ctrlPr>
-                                <a:rPr lang="en-GB" b="0" smtClean="0">
+                                <a:rPr lang="en-GB" b="0" i="1" smtClean="0">
                                   <a:latin typeface="Cambria Math" panose="02040503050406030204" pitchFamily="18" charset="0"/>
                                 </a:rPr>
                               </m:ctrlPr>
@@ -5233,7 +5234,7 @@
             </p:nvSpPr>
             <p:spPr>
               <a:xfrm>
-                <a:off x="5652473" y="3084876"/>
+                <a:off x="2044300" y="3084876"/>
                 <a:ext cx="1702633" cy="378437"/>
               </a:xfrm>
               <a:prstGeom prst="rect">
@@ -5274,7 +5275,7 @@
         </p:nvCxnSpPr>
         <p:spPr>
           <a:xfrm flipH="1">
-            <a:off x="7947449" y="2579570"/>
+            <a:off x="4331026" y="2579570"/>
             <a:ext cx="1152130" cy="3222"/>
           </a:xfrm>
           <a:prstGeom prst="line">
@@ -5309,7 +5310,7 @@
         </p:nvCxnSpPr>
         <p:spPr>
           <a:xfrm flipH="1">
-            <a:off x="9268494" y="3248399"/>
+            <a:off x="5652071" y="3248399"/>
             <a:ext cx="658820" cy="545707"/>
           </a:xfrm>
           <a:prstGeom prst="line">
@@ -5347,7 +5348,7 @@
         </p:nvCxnSpPr>
         <p:spPr>
           <a:xfrm flipH="1" flipV="1">
-            <a:off x="9902591" y="3273520"/>
+            <a:off x="6294418" y="3273520"/>
             <a:ext cx="778758" cy="212619"/>
           </a:xfrm>
           <a:prstGeom prst="straightConnector1">
@@ -5387,7 +5388,7 @@
             </p:nvSpPr>
             <p:spPr>
               <a:xfrm>
-                <a:off x="10335889" y="3480010"/>
+                <a:off x="6727716" y="3480010"/>
                 <a:ext cx="837636" cy="369332"/>
               </a:xfrm>
               <a:prstGeom prst="rect">
@@ -5443,7 +5444,7 @@
             </p:nvSpPr>
             <p:spPr>
               <a:xfrm>
-                <a:off x="10335889" y="3480010"/>
+                <a:off x="6727716" y="3480010"/>
                 <a:ext cx="837636" cy="369332"/>
               </a:xfrm>
               <a:prstGeom prst="rect">
@@ -5486,7 +5487,7 @@
         </p:nvSpPr>
         <p:spPr>
           <a:xfrm>
-            <a:off x="8983470" y="3421246"/>
+            <a:off x="5367047" y="3421246"/>
             <a:ext cx="547836" cy="233523"/>
           </a:xfrm>
           <a:prstGeom prst="arc">
@@ -5532,7 +5533,7 @@
         </p:nvSpPr>
         <p:spPr>
           <a:xfrm>
-            <a:off x="9111476" y="3368730"/>
+            <a:off x="5503303" y="3368730"/>
             <a:ext cx="505097" cy="338554"/>
           </a:xfrm>
           <a:prstGeom prst="rect">
@@ -5571,7 +5572,7 @@
             </p:nvSpPr>
             <p:spPr>
               <a:xfrm>
-                <a:off x="9129442" y="3993853"/>
+                <a:off x="5513019" y="3993853"/>
                 <a:ext cx="772385" cy="369332"/>
               </a:xfrm>
               <a:prstGeom prst="rect">
@@ -5655,7 +5656,7 @@
             </p:nvSpPr>
             <p:spPr>
               <a:xfrm>
-                <a:off x="9129442" y="3993853"/>
+                <a:off x="5513019" y="3993853"/>
                 <a:ext cx="772385" cy="369332"/>
               </a:xfrm>
               <a:prstGeom prst="rect">
@@ -5700,7 +5701,7 @@
             </p:nvSpPr>
             <p:spPr>
               <a:xfrm>
-                <a:off x="9111476" y="1620446"/>
+                <a:off x="5503303" y="1620446"/>
                 <a:ext cx="659759" cy="369332"/>
               </a:xfrm>
               <a:prstGeom prst="rect">
@@ -5757,7 +5758,7 @@
             </p:nvSpPr>
             <p:spPr>
               <a:xfrm>
-                <a:off x="9111476" y="1620446"/>
+                <a:off x="5503303" y="1620446"/>
                 <a:ext cx="659759" cy="369332"/>
               </a:xfrm>
               <a:prstGeom prst="rect">
@@ -5800,7 +5801,7 @@
         </p:nvCxnSpPr>
         <p:spPr>
           <a:xfrm flipH="1">
-            <a:off x="9227534" y="1996209"/>
+            <a:off x="5619361" y="1996209"/>
             <a:ext cx="10150" cy="450780"/>
           </a:xfrm>
           <a:prstGeom prst="straightConnector1">
@@ -5830,6 +5831,219 @@
           </a:fontRef>
         </p:style>
       </p:cxnSp>
+      <mc:AlternateContent xmlns:mc="http://schemas.openxmlformats.org/markup-compatibility/2006">
+        <mc:Choice xmlns:a14="http://schemas.microsoft.com/office/drawing/2010/main" Requires="a14">
+          <p:sp>
+            <p:nvSpPr>
+              <p:cNvPr id="54" name="TextBox 53"/>
+              <p:cNvSpPr txBox="1"/>
+              <p:nvPr/>
+            </p:nvSpPr>
+            <p:spPr>
+              <a:xfrm>
+                <a:off x="5579229" y="5477238"/>
+                <a:ext cx="2197289" cy="783869"/>
+              </a:xfrm>
+              <a:prstGeom prst="rect">
+                <a:avLst/>
+              </a:prstGeom>
+              <a:noFill/>
+              <a:ln>
+                <a:solidFill>
+                  <a:srgbClr val="FF0000"/>
+                </a:solidFill>
+              </a:ln>
+            </p:spPr>
+            <p:txBody>
+              <a:bodyPr wrap="square" rtlCol="0">
+                <a:spAutoFit/>
+              </a:bodyPr>
+              <a:lstStyle/>
+              <a:p>
+                <a:pPr algn="ctr"/>
+                <a:r>
+                  <a:rPr lang="en-GB" dirty="0">
+                    <a:latin typeface="Times New Roman" panose="02020603050405020304" pitchFamily="18" charset="0"/>
+                    <a:cs typeface="Times New Roman" panose="02020603050405020304" pitchFamily="18" charset="0"/>
+                  </a:rPr>
+                  <a:t>b ~ 10m, </a:t>
+                </a:r>
+                <a14:m>
+                  <m:oMath xmlns:m="http://schemas.openxmlformats.org/officeDocument/2006/math">
+                    <m:r>
+                      <a:rPr lang="en-GB" i="1">
+                        <a:latin typeface="Cambria Math" panose="02040503050406030204" pitchFamily="18" charset="0"/>
+                        <a:ea typeface="Cambria Math" panose="02040503050406030204" pitchFamily="18" charset="0"/>
+                        <a:cs typeface="Times New Roman" panose="02020603050405020304" pitchFamily="18" charset="0"/>
+                      </a:rPr>
+                      <m:t>𝜆</m:t>
+                    </m:r>
+                    <m:r>
+                      <a:rPr lang="en-GB" i="1">
+                        <a:latin typeface="Cambria Math" panose="02040503050406030204" pitchFamily="18" charset="0"/>
+                        <a:ea typeface="Cambria Math" panose="02040503050406030204" pitchFamily="18" charset="0"/>
+                        <a:cs typeface="Times New Roman" panose="02020603050405020304" pitchFamily="18" charset="0"/>
+                      </a:rPr>
+                      <m:t> ~ 20</m:t>
+                    </m:r>
+                  </m:oMath>
+                </a14:m>
+                <a:r>
+                  <a:rPr lang="en-GB" dirty="0">
+                    <a:latin typeface="Times New Roman" panose="02020603050405020304" pitchFamily="18" charset="0"/>
+                    <a:cs typeface="Times New Roman" panose="02020603050405020304" pitchFamily="18" charset="0"/>
+                  </a:rPr>
+                  <a:t>cm and </a:t>
+                </a:r>
+                <a14:m>
+                  <m:oMath xmlns:m="http://schemas.openxmlformats.org/officeDocument/2006/math">
+                    <m:r>
+                      <m:rPr>
+                        <m:sty m:val="p"/>
+                      </m:rPr>
+                      <a:rPr lang="en-GB" dirty="0">
+                        <a:latin typeface="Cambria Math" panose="02040503050406030204" pitchFamily="18" charset="0"/>
+                        <a:ea typeface="Cambria Math" panose="02040503050406030204" pitchFamily="18" charset="0"/>
+                        <a:cs typeface="Times New Roman" panose="02020603050405020304" pitchFamily="18" charset="0"/>
+                      </a:rPr>
+                      <m:t>α</m:t>
+                    </m:r>
+                    <m:r>
+                      <a:rPr lang="en-GB" i="1" dirty="0">
+                        <a:latin typeface="Cambria Math" panose="02040503050406030204" pitchFamily="18" charset="0"/>
+                        <a:cs typeface="Times New Roman" panose="02020603050405020304" pitchFamily="18" charset="0"/>
+                      </a:rPr>
+                      <m:t>= </m:t>
+                    </m:r>
+                    <m:sSup>
+                      <m:sSupPr>
+                        <m:ctrlPr>
+                          <a:rPr lang="en-GB" i="1" dirty="0">
+                            <a:latin typeface="Cambria Math" panose="02040503050406030204" pitchFamily="18" charset="0"/>
+                            <a:cs typeface="Times New Roman" panose="02020603050405020304" pitchFamily="18" charset="0"/>
+                          </a:rPr>
+                        </m:ctrlPr>
+                      </m:sSupPr>
+                      <m:e>
+                        <m:r>
+                          <m:rPr>
+                            <m:sty m:val="p"/>
+                          </m:rPr>
+                          <a:rPr lang="en-GB" dirty="0">
+                            <a:latin typeface="Cambria Math" panose="02040503050406030204" pitchFamily="18" charset="0"/>
+                            <a:cs typeface="Times New Roman" panose="02020603050405020304" pitchFamily="18" charset="0"/>
+                          </a:rPr>
+                          <m:t>tan</m:t>
+                        </m:r>
+                      </m:e>
+                      <m:sup>
+                        <m:r>
+                          <a:rPr lang="en-GB" dirty="0">
+                            <a:latin typeface="Cambria Math" panose="02040503050406030204" pitchFamily="18" charset="0"/>
+                            <a:cs typeface="Times New Roman" panose="02020603050405020304" pitchFamily="18" charset="0"/>
+                          </a:rPr>
+                          <m:t>−1</m:t>
+                        </m:r>
+                      </m:sup>
+                    </m:sSup>
+                    <m:d>
+                      <m:dPr>
+                        <m:ctrlPr>
+                          <a:rPr lang="en-GB" i="1">
+                            <a:latin typeface="Cambria Math" panose="02040503050406030204" pitchFamily="18" charset="0"/>
+                            <a:cs typeface="Times New Roman" panose="02020603050405020304" pitchFamily="18" charset="0"/>
+                          </a:rPr>
+                        </m:ctrlPr>
+                      </m:dPr>
+                      <m:e>
+                        <m:f>
+                          <m:fPr>
+                            <m:ctrlPr>
+                              <a:rPr lang="en-GB" i="1">
+                                <a:latin typeface="Cambria Math" panose="02040503050406030204" pitchFamily="18" charset="0"/>
+                                <a:cs typeface="Times New Roman" panose="02020603050405020304" pitchFamily="18" charset="0"/>
+                              </a:rPr>
+                            </m:ctrlPr>
+                          </m:fPr>
+                          <m:num>
+                            <m:r>
+                              <m:rPr>
+                                <m:sty m:val="p"/>
+                              </m:rPr>
+                              <a:rPr lang="en-GB">
+                                <a:latin typeface="Cambria Math" panose="02040503050406030204" pitchFamily="18" charset="0"/>
+                                <a:cs typeface="Times New Roman" panose="02020603050405020304" pitchFamily="18" charset="0"/>
+                              </a:rPr>
+                              <m:t>Im</m:t>
+                            </m:r>
+                          </m:num>
+                          <m:den>
+                            <m:r>
+                              <m:rPr>
+                                <m:sty m:val="p"/>
+                              </m:rPr>
+                              <a:rPr lang="en-GB">
+                                <a:latin typeface="Cambria Math" panose="02040503050406030204" pitchFamily="18" charset="0"/>
+                                <a:ea typeface="Cambria Math" panose="02040503050406030204" pitchFamily="18" charset="0"/>
+                                <a:cs typeface="Times New Roman" panose="02020603050405020304" pitchFamily="18" charset="0"/>
+                              </a:rPr>
+                              <m:t>Re</m:t>
+                            </m:r>
+                          </m:den>
+                        </m:f>
+                      </m:e>
+                    </m:d>
+                  </m:oMath>
+                </a14:m>
+                <a:endParaRPr lang="en-GB" dirty="0"/>
+              </a:p>
+            </p:txBody>
+          </p:sp>
+        </mc:Choice>
+        <mc:Fallback>
+          <p:sp>
+            <p:nvSpPr>
+              <p:cNvPr id="54" name="TextBox 53"/>
+              <p:cNvSpPr txBox="1">
+                <a:spLocks noRot="1" noChangeAspect="1" noMove="1" noResize="1" noEditPoints="1" noAdjustHandles="1" noChangeArrowheads="1" noChangeShapeType="1" noTextEdit="1"/>
+              </p:cNvSpPr>
+              <p:nvPr/>
+            </p:nvSpPr>
+            <p:spPr>
+              <a:xfrm>
+                <a:off x="5579229" y="5477238"/>
+                <a:ext cx="2197289" cy="783869"/>
+              </a:xfrm>
+              <a:prstGeom prst="rect">
+                <a:avLst/>
+              </a:prstGeom>
+              <a:blipFill rotWithShape="0">
+                <a:blip r:embed="rId9"/>
+                <a:stretch>
+                  <a:fillRect t="-3053" b="-1527"/>
+                </a:stretch>
+              </a:blipFill>
+              <a:ln>
+                <a:solidFill>
+                  <a:srgbClr val="FF0000"/>
+                </a:solidFill>
+              </a:ln>
+            </p:spPr>
+            <p:txBody>
+              <a:bodyPr/>
+              <a:lstStyle/>
+              <a:p>
+                <a:r>
+                  <a:rPr lang="en-GB">
+                    <a:noFill/>
+                  </a:rPr>
+                  <a:t> </a:t>
+                </a:r>
+              </a:p>
+            </p:txBody>
+          </p:sp>
+        </mc:Fallback>
+      </mc:AlternateContent>
     </p:spTree>
     <p:extLst>
       <p:ext uri="{BB962C8B-B14F-4D97-AF65-F5344CB8AC3E}">
@@ -5843,9 +6057,91 @@
   <p:timing>
     <p:tnLst>
       <p:par>
-        <p:cTn id="1" dur="indefinite" restart="never" nodeType="tmRoot"/>
+        <p:cTn id="1" dur="indefinite" restart="never" nodeType="tmRoot">
+          <p:childTnLst>
+            <p:seq concurrent="1" nextAc="seek">
+              <p:cTn id="2" dur="indefinite" nodeType="mainSeq">
+                <p:childTnLst>
+                  <p:par>
+                    <p:cTn id="3" fill="hold">
+                      <p:stCondLst>
+                        <p:cond delay="indefinite"/>
+                        <p:cond evt="onBegin" delay="0">
+                          <p:tn val="2"/>
+                        </p:cond>
+                      </p:stCondLst>
+                      <p:childTnLst>
+                        <p:par>
+                          <p:cTn id="4" fill="hold">
+                            <p:stCondLst>
+                              <p:cond delay="0"/>
+                            </p:stCondLst>
+                            <p:childTnLst>
+                              <p:par>
+                                <p:cTn id="5" presetID="10" presetClass="entr" presetSubtype="0" fill="hold" grpId="0" nodeType="withEffect">
+                                  <p:stCondLst>
+                                    <p:cond delay="0"/>
+                                  </p:stCondLst>
+                                  <p:childTnLst>
+                                    <p:set>
+                                      <p:cBhvr>
+                                        <p:cTn id="6" dur="1" fill="hold">
+                                          <p:stCondLst>
+                                            <p:cond delay="0"/>
+                                          </p:stCondLst>
+                                        </p:cTn>
+                                        <p:tgtEl>
+                                          <p:spTgt spid="54"/>
+                                        </p:tgtEl>
+                                        <p:attrNameLst>
+                                          <p:attrName>style.visibility</p:attrName>
+                                        </p:attrNameLst>
+                                      </p:cBhvr>
+                                      <p:to>
+                                        <p:strVal val="visible"/>
+                                      </p:to>
+                                    </p:set>
+                                    <p:animEffect transition="in" filter="fade">
+                                      <p:cBhvr>
+                                        <p:cTn id="7" dur="500"/>
+                                        <p:tgtEl>
+                                          <p:spTgt spid="54"/>
+                                        </p:tgtEl>
+                                      </p:cBhvr>
+                                    </p:animEffect>
+                                  </p:childTnLst>
+                                </p:cTn>
+                              </p:par>
+                            </p:childTnLst>
+                          </p:cTn>
+                        </p:par>
+                      </p:childTnLst>
+                    </p:cTn>
+                  </p:par>
+                </p:childTnLst>
+              </p:cTn>
+              <p:prevCondLst>
+                <p:cond evt="onPrev" delay="0">
+                  <p:tgtEl>
+                    <p:sldTgt/>
+                  </p:tgtEl>
+                </p:cond>
+              </p:prevCondLst>
+              <p:nextCondLst>
+                <p:cond evt="onNext" delay="0">
+                  <p:tgtEl>
+                    <p:sldTgt/>
+                  </p:tgtEl>
+                </p:cond>
+              </p:nextCondLst>
+            </p:seq>
+          </p:childTnLst>
+        </p:cTn>
       </p:par>
     </p:tnLst>
+    <p:bldLst>
+      <p:bldP spid="54" grpId="0" animBg="1"/>
+    </p:bldLst>
   </p:timing>
 </p:sld>
 </file>
